--- a/CalendarioAgo2022/proyecto/SITUACION_PROBLEMA2.pptx
+++ b/CalendarioAgo2022/proyecto/SITUACION_PROBLEMA2.pptx
@@ -4019,6 +4019,36 @@
           <a:chExt cx="0" cy="0"/>
         </a:xfrm>
       </p:grpSpPr>
+      <p:pic>
+        <p:nvPicPr>
+          <p:cNvPr id="3" name="Imagen 2">
+            <a:extLst>
+              <a:ext uri="{FF2B5EF4-FFF2-40B4-BE49-F238E27FC236}">
+                <a16:creationId xmlns:a16="http://schemas.microsoft.com/office/drawing/2014/main" id="{80AF6DF7-99D6-4037-A63E-96DEC287D878}"/>
+              </a:ext>
+            </a:extLst>
+          </p:cNvPr>
+          <p:cNvPicPr>
+            <a:picLocks noChangeAspect="1"/>
+          </p:cNvPicPr>
+          <p:nvPr/>
+        </p:nvPicPr>
+        <p:blipFill>
+          <a:blip r:embed="rId2"/>
+          <a:stretch>
+            <a:fillRect/>
+          </a:stretch>
+        </p:blipFill>
+        <p:spPr>
+          <a:xfrm>
+            <a:off x="1691680" y="3212976"/>
+            <a:ext cx="6480720" cy="2277617"/>
+          </a:xfrm>
+          <a:prstGeom prst="rect">
+            <a:avLst/>
+          </a:prstGeom>
+        </p:spPr>
+      </p:pic>
       <p:sp>
         <p:nvSpPr>
           <p:cNvPr id="184324" name="Rectangle 4"/>
@@ -4109,7 +4139,7 @@
           <p:nvPr/>
         </p:nvPicPr>
         <p:blipFill>
-          <a:blip r:embed="rId2">
+          <a:blip r:embed="rId3">
             <a:extLst>
               <a:ext uri="{28A0092B-C50C-407E-A947-70E740481C1C}">
                 <a14:useLocalDpi xmlns:a14="http://schemas.microsoft.com/office/drawing/2010/main" val="0"/>
@@ -4124,36 +4154,6 @@
           <a:xfrm>
             <a:off x="7164288" y="1090528"/>
             <a:ext cx="1095375" cy="1114425"/>
-          </a:xfrm>
-          <a:prstGeom prst="rect">
-            <a:avLst/>
-          </a:prstGeom>
-        </p:spPr>
-      </p:pic>
-      <p:pic>
-        <p:nvPicPr>
-          <p:cNvPr id="5" name="Imagen 4">
-            <a:extLst>
-              <a:ext uri="{FF2B5EF4-FFF2-40B4-BE49-F238E27FC236}">
-                <a16:creationId xmlns:a16="http://schemas.microsoft.com/office/drawing/2014/main" id="{B47750EF-0169-4410-83F4-00BD40639642}"/>
-              </a:ext>
-            </a:extLst>
-          </p:cNvPr>
-          <p:cNvPicPr>
-            <a:picLocks noChangeAspect="1"/>
-          </p:cNvPicPr>
-          <p:nvPr/>
-        </p:nvPicPr>
-        <p:blipFill>
-          <a:blip r:embed="rId3"/>
-          <a:stretch>
-            <a:fillRect/>
-          </a:stretch>
-        </p:blipFill>
-        <p:spPr>
-          <a:xfrm>
-            <a:off x="1444811" y="3429000"/>
-            <a:ext cx="6712513" cy="2094740"/>
           </a:xfrm>
           <a:prstGeom prst="rect">
             <a:avLst/>
@@ -4176,7 +4176,7 @@
         </p:nvSpPr>
         <p:spPr>
           <a:xfrm>
-            <a:off x="452468" y="2060848"/>
+            <a:off x="375110" y="2276872"/>
             <a:ext cx="7704856" cy="3888432"/>
           </a:xfrm>
           <a:prstGeom prst="rect">
@@ -4423,7 +4423,29 @@
                 </a:solidFill>
                 <a:cs typeface="Arial" panose="020B0604020202020204" pitchFamily="34" charset="0"/>
               </a:rPr>
-              <a:t>antes de ejecutar cualquier opción.</a:t>
+              <a:t>antes de ejecutar el </a:t>
+            </a:r>
+            <a:r>
+              <a:rPr lang="es-ES" sz="1800" dirty="0" err="1">
+                <a:solidFill>
+                  <a:schemeClr val="bg2">
+                    <a:lumMod val="25000"/>
+                  </a:schemeClr>
+                </a:solidFill>
+                <a:cs typeface="Arial" panose="020B0604020202020204" pitchFamily="34" charset="0"/>
+              </a:rPr>
+              <a:t>while</a:t>
+            </a:r>
+            <a:r>
+              <a:rPr lang="es-ES" sz="1800" dirty="0">
+                <a:solidFill>
+                  <a:schemeClr val="bg2">
+                    <a:lumMod val="25000"/>
+                  </a:schemeClr>
+                </a:solidFill>
+                <a:cs typeface="Arial" panose="020B0604020202020204" pitchFamily="34" charset="0"/>
+              </a:rPr>
+              <a:t>.</a:t>
             </a:r>
             <a:endParaRPr lang="es-MX" sz="1800" dirty="0">
               <a:solidFill>
@@ -4450,8 +4472,8 @@
         </p:nvSpPr>
         <p:spPr>
           <a:xfrm>
-            <a:off x="2339752" y="5013176"/>
-            <a:ext cx="3024336" cy="216024"/>
+            <a:off x="2555776" y="4984369"/>
+            <a:ext cx="3024336" cy="288032"/>
           </a:xfrm>
           <a:prstGeom prst="rect">
             <a:avLst/>
@@ -4540,7 +4562,7 @@
         </p:blipFill>
         <p:spPr>
           <a:xfrm>
-            <a:off x="5940152" y="4509120"/>
+            <a:off x="5796136" y="4221088"/>
             <a:ext cx="2266950" cy="1876425"/>
           </a:xfrm>
           <a:prstGeom prst="rect">
@@ -4639,7 +4661,7 @@
         </p:nvSpPr>
         <p:spPr>
           <a:xfrm>
-            <a:off x="722539" y="1700808"/>
+            <a:off x="671911" y="1916832"/>
             <a:ext cx="7800178" cy="3789548"/>
           </a:xfrm>
           <a:prstGeom prst="rect">
@@ -4871,7 +4893,7 @@
                 <a:latin typeface="Arial" pitchFamily="34" charset="0"/>
                 <a:cs typeface="Arial" pitchFamily="34" charset="0"/>
               </a:rPr>
-              <a:t>pasword</a:t>
+              <a:t>password</a:t>
             </a:r>
             <a:r>
               <a:rPr lang="es-MX" sz="1600" dirty="0">
@@ -4884,6 +4906,29 @@
                 <a:cs typeface="Arial" pitchFamily="34" charset="0"/>
               </a:rPr>
               <a:t> permitido.</a:t>
+            </a:r>
+          </a:p>
+          <a:p>
+            <a:pPr marL="0" lvl="1" indent="0" algn="just">
+              <a:lnSpc>
+                <a:spcPct val="150000"/>
+              </a:lnSpc>
+              <a:spcBef>
+                <a:spcPct val="0"/>
+              </a:spcBef>
+              <a:buNone/>
+            </a:pPr>
+            <a:r>
+              <a:rPr lang="es-MX" sz="1600" dirty="0">
+                <a:solidFill>
+                  <a:schemeClr val="bg2">
+                    <a:lumMod val="25000"/>
+                  </a:schemeClr>
+                </a:solidFill>
+                <a:latin typeface="Arial" pitchFamily="34" charset="0"/>
+                <a:cs typeface="Arial" pitchFamily="34" charset="0"/>
+              </a:rPr>
+              <a:t>La función debe:</a:t>
             </a:r>
           </a:p>
           <a:p>
@@ -4907,7 +4952,7 @@
                 <a:latin typeface="Arial" pitchFamily="34" charset="0"/>
                 <a:cs typeface="Arial" pitchFamily="34" charset="0"/>
               </a:rPr>
-              <a:t>La función debe pedirle al usuario su </a:t>
+              <a:t>Pedir la </a:t>
             </a:r>
             <a:r>
               <a:rPr lang="es-MX" sz="1600" b="1" dirty="0">
@@ -5003,7 +5048,7 @@
                 <a:latin typeface="Arial" pitchFamily="34" charset="0"/>
                 <a:cs typeface="Arial" pitchFamily="34" charset="0"/>
               </a:rPr>
-              <a:t>no sea igual al </a:t>
+              <a:t>sea diferente al </a:t>
             </a:r>
             <a:r>
               <a:rPr lang="es-MX" sz="1600" b="1" dirty="0" err="1">
@@ -5111,29 +5156,6 @@
             </a:r>
           </a:p>
           <a:p>
-            <a:pPr marL="400050" lvl="2" indent="0" algn="just">
-              <a:lnSpc>
-                <a:spcPct val="150000"/>
-              </a:lnSpc>
-              <a:spcBef>
-                <a:spcPct val="0"/>
-              </a:spcBef>
-              <a:buNone/>
-            </a:pPr>
-            <a:r>
-              <a:rPr lang="es-MX" sz="1600" dirty="0">
-                <a:solidFill>
-                  <a:schemeClr val="bg2">
-                    <a:lumMod val="25000"/>
-                  </a:schemeClr>
-                </a:solidFill>
-                <a:latin typeface="Arial" pitchFamily="34" charset="0"/>
-                <a:cs typeface="Arial" pitchFamily="34" charset="0"/>
-              </a:rPr>
-              <a:t>Repetir lo anterior hasta que el usuario introduzca una clave válida.</a:t>
-            </a:r>
-          </a:p>
-          <a:p>
             <a:pPr marL="342900" lvl="1" indent="-342900" algn="just">
               <a:lnSpc>
                 <a:spcPct val="150000"/>
@@ -5166,68 +5188,17 @@
                 <a:latin typeface="Arial" pitchFamily="34" charset="0"/>
                 <a:cs typeface="Arial" pitchFamily="34" charset="0"/>
               </a:rPr>
-              <a:t>“Bienvenido”</a:t>
-            </a:r>
-            <a:r>
-              <a:rPr lang="es-MX" sz="1600" dirty="0">
-                <a:solidFill>
-                  <a:schemeClr val="bg2">
-                    <a:lumMod val="25000"/>
-                  </a:schemeClr>
-                </a:solidFill>
-                <a:latin typeface="Arial" pitchFamily="34" charset="0"/>
-                <a:cs typeface="Arial" pitchFamily="34" charset="0"/>
-              </a:rPr>
-              <a:t>,</a:t>
-            </a:r>
-            <a:r>
-              <a:rPr lang="es-MX" sz="1600" b="1" dirty="0">
-                <a:solidFill>
-                  <a:schemeClr val="bg2">
-                    <a:lumMod val="25000"/>
-                  </a:schemeClr>
-                </a:solidFill>
-                <a:latin typeface="Arial" pitchFamily="34" charset="0"/>
-                <a:cs typeface="Arial" pitchFamily="34" charset="0"/>
-              </a:rPr>
-              <a:t> </a:t>
-            </a:r>
-            <a:r>
-              <a:rPr lang="es-MX" sz="1600" dirty="0">
-                <a:solidFill>
-                  <a:schemeClr val="bg2">
-                    <a:lumMod val="25000"/>
-                  </a:schemeClr>
-                </a:solidFill>
-                <a:latin typeface="Arial" pitchFamily="34" charset="0"/>
-                <a:cs typeface="Arial" pitchFamily="34" charset="0"/>
-              </a:rPr>
-              <a:t>cuando la clave sea igual al </a:t>
-            </a:r>
-            <a:r>
-              <a:rPr lang="es-MX" sz="1600" dirty="0" err="1">
-                <a:solidFill>
-                  <a:schemeClr val="bg2">
-                    <a:lumMod val="25000"/>
-                  </a:schemeClr>
-                </a:solidFill>
-                <a:latin typeface="Arial" pitchFamily="34" charset="0"/>
-                <a:cs typeface="Arial" pitchFamily="34" charset="0"/>
-              </a:rPr>
-              <a:t>password</a:t>
-            </a:r>
-            <a:r>
-              <a:rPr lang="es-MX" sz="1600" dirty="0">
-                <a:solidFill>
-                  <a:schemeClr val="bg2">
-                    <a:lumMod val="25000"/>
-                  </a:schemeClr>
-                </a:solidFill>
-                <a:latin typeface="Arial" pitchFamily="34" charset="0"/>
-                <a:cs typeface="Arial" pitchFamily="34" charset="0"/>
-              </a:rPr>
-              <a:t>.</a:t>
-            </a:r>
+              <a:t>“Bienvenido”.</a:t>
+            </a:r>
+            <a:endParaRPr lang="es-MX" sz="1600" dirty="0">
+              <a:solidFill>
+                <a:schemeClr val="bg2">
+                  <a:lumMod val="25000"/>
+                </a:schemeClr>
+              </a:solidFill>
+              <a:latin typeface="Arial" pitchFamily="34" charset="0"/>
+              <a:cs typeface="Arial" pitchFamily="34" charset="0"/>
+            </a:endParaRPr>
           </a:p>
           <a:p>
             <a:pPr marL="400050" lvl="1" indent="0" algn="just">
